--- a/999_Präsentation/PPP/luca.pptx
+++ b/999_Präsentation/PPP/luca.pptx
@@ -108,6 +108,11 @@
       </a:defRPr>
     </a:lvl9pPr>
   </p:defaultTextStyle>
+  <p:extLst>
+    <p:ext uri="{EFAFB233-063F-42B5-8137-9DF3F51BA10A}">
+      <p15:sldGuideLst xmlns:p15="http://schemas.microsoft.com/office/powerpoint/2012/main"/>
+    </p:ext>
+  </p:extLst>
 </p:presentation>
 </file>
 
@@ -153,7 +158,7 @@
           </a:lstStyle>
           <a:p>
             <a:r>
-              <a:rPr lang="de-DE" smtClean="0"/>
+              <a:rPr lang="de-DE"/>
               <a:t>Titelmasterformat durch Klicken bearbeiten</a:t>
             </a:r>
             <a:endParaRPr lang="en-US"/>
@@ -218,7 +223,7 @@
           </a:lstStyle>
           <a:p>
             <a:r>
-              <a:rPr lang="de-DE" smtClean="0"/>
+              <a:rPr lang="de-DE"/>
               <a:t>Formatvorlage des Untertitelmasters durch Klicken bearbeiten</a:t>
             </a:r>
             <a:endParaRPr lang="en-US"/>
@@ -242,7 +247,7 @@
           <a:p>
             <a:fld id="{D070867A-C3DB-4861-B28A-9493709EB757}" type="datetimeFigureOut">
               <a:rPr lang="en-US" smtClean="0"/>
-              <a:t>13-Mar-19</a:t>
+              <a:t>3/17/19</a:t>
             </a:fld>
             <a:endParaRPr lang="en-US"/>
           </a:p>
@@ -336,7 +341,7 @@
           <a:lstStyle/>
           <a:p>
             <a:r>
-              <a:rPr lang="de-DE" smtClean="0"/>
+              <a:rPr lang="de-DE"/>
               <a:t>Titelmasterformat durch Klicken bearbeiten</a:t>
             </a:r>
             <a:endParaRPr lang="en-US"/>
@@ -360,35 +365,35 @@
           <a:p>
             <a:pPr lvl="0"/>
             <a:r>
-              <a:rPr lang="de-DE" smtClean="0"/>
+              <a:rPr lang="de-DE"/>
               <a:t>Formatvorlagen des Textmasters bearbeiten</a:t>
             </a:r>
           </a:p>
           <a:p>
             <a:pPr lvl="1"/>
             <a:r>
-              <a:rPr lang="de-DE" smtClean="0"/>
+              <a:rPr lang="de-DE"/>
               <a:t>Zweite Ebene</a:t>
             </a:r>
           </a:p>
           <a:p>
             <a:pPr lvl="2"/>
             <a:r>
-              <a:rPr lang="de-DE" smtClean="0"/>
+              <a:rPr lang="de-DE"/>
               <a:t>Dritte Ebene</a:t>
             </a:r>
           </a:p>
           <a:p>
             <a:pPr lvl="3"/>
             <a:r>
-              <a:rPr lang="de-DE" smtClean="0"/>
+              <a:rPr lang="de-DE"/>
               <a:t>Vierte Ebene</a:t>
             </a:r>
           </a:p>
           <a:p>
             <a:pPr lvl="4"/>
             <a:r>
-              <a:rPr lang="de-DE" smtClean="0"/>
+              <a:rPr lang="de-DE"/>
               <a:t>Fünfte Ebene</a:t>
             </a:r>
             <a:endParaRPr lang="en-US"/>
@@ -412,7 +417,7 @@
           <a:p>
             <a:fld id="{D070867A-C3DB-4861-B28A-9493709EB757}" type="datetimeFigureOut">
               <a:rPr lang="en-US" smtClean="0"/>
-              <a:t>13-Mar-19</a:t>
+              <a:t>3/17/19</a:t>
             </a:fld>
             <a:endParaRPr lang="en-US"/>
           </a:p>
@@ -511,7 +516,7 @@
           <a:lstStyle/>
           <a:p>
             <a:r>
-              <a:rPr lang="de-DE" smtClean="0"/>
+              <a:rPr lang="de-DE"/>
               <a:t>Titelmasterformat durch Klicken bearbeiten</a:t>
             </a:r>
             <a:endParaRPr lang="en-US"/>
@@ -540,35 +545,35 @@
           <a:p>
             <a:pPr lvl="0"/>
             <a:r>
-              <a:rPr lang="de-DE" smtClean="0"/>
+              <a:rPr lang="de-DE"/>
               <a:t>Formatvorlagen des Textmasters bearbeiten</a:t>
             </a:r>
           </a:p>
           <a:p>
             <a:pPr lvl="1"/>
             <a:r>
-              <a:rPr lang="de-DE" smtClean="0"/>
+              <a:rPr lang="de-DE"/>
               <a:t>Zweite Ebene</a:t>
             </a:r>
           </a:p>
           <a:p>
             <a:pPr lvl="2"/>
             <a:r>
-              <a:rPr lang="de-DE" smtClean="0"/>
+              <a:rPr lang="de-DE"/>
               <a:t>Dritte Ebene</a:t>
             </a:r>
           </a:p>
           <a:p>
             <a:pPr lvl="3"/>
             <a:r>
-              <a:rPr lang="de-DE" smtClean="0"/>
+              <a:rPr lang="de-DE"/>
               <a:t>Vierte Ebene</a:t>
             </a:r>
           </a:p>
           <a:p>
             <a:pPr lvl="4"/>
             <a:r>
-              <a:rPr lang="de-DE" smtClean="0"/>
+              <a:rPr lang="de-DE"/>
               <a:t>Fünfte Ebene</a:t>
             </a:r>
             <a:endParaRPr lang="en-US"/>
@@ -592,7 +597,7 @@
           <a:p>
             <a:fld id="{D070867A-C3DB-4861-B28A-9493709EB757}" type="datetimeFigureOut">
               <a:rPr lang="en-US" smtClean="0"/>
-              <a:t>13-Mar-19</a:t>
+              <a:t>3/17/19</a:t>
             </a:fld>
             <a:endParaRPr lang="en-US"/>
           </a:p>
@@ -686,7 +691,7 @@
           <a:lstStyle/>
           <a:p>
             <a:r>
-              <a:rPr lang="de-DE" smtClean="0"/>
+              <a:rPr lang="de-DE"/>
               <a:t>Titelmasterformat durch Klicken bearbeiten</a:t>
             </a:r>
             <a:endParaRPr lang="en-US"/>
@@ -710,35 +715,35 @@
           <a:p>
             <a:pPr lvl="0"/>
             <a:r>
-              <a:rPr lang="de-DE" smtClean="0"/>
+              <a:rPr lang="de-DE"/>
               <a:t>Formatvorlagen des Textmasters bearbeiten</a:t>
             </a:r>
           </a:p>
           <a:p>
             <a:pPr lvl="1"/>
             <a:r>
-              <a:rPr lang="de-DE" smtClean="0"/>
+              <a:rPr lang="de-DE"/>
               <a:t>Zweite Ebene</a:t>
             </a:r>
           </a:p>
           <a:p>
             <a:pPr lvl="2"/>
             <a:r>
-              <a:rPr lang="de-DE" smtClean="0"/>
+              <a:rPr lang="de-DE"/>
               <a:t>Dritte Ebene</a:t>
             </a:r>
           </a:p>
           <a:p>
             <a:pPr lvl="3"/>
             <a:r>
-              <a:rPr lang="de-DE" smtClean="0"/>
+              <a:rPr lang="de-DE"/>
               <a:t>Vierte Ebene</a:t>
             </a:r>
           </a:p>
           <a:p>
             <a:pPr lvl="4"/>
             <a:r>
-              <a:rPr lang="de-DE" smtClean="0"/>
+              <a:rPr lang="de-DE"/>
               <a:t>Fünfte Ebene</a:t>
             </a:r>
             <a:endParaRPr lang="en-US"/>
@@ -762,7 +767,7 @@
           <a:p>
             <a:fld id="{D070867A-C3DB-4861-B28A-9493709EB757}" type="datetimeFigureOut">
               <a:rPr lang="en-US" smtClean="0"/>
-              <a:t>13-Mar-19</a:t>
+              <a:t>3/17/19</a:t>
             </a:fld>
             <a:endParaRPr lang="en-US"/>
           </a:p>
@@ -865,7 +870,7 @@
           </a:lstStyle>
           <a:p>
             <a:r>
-              <a:rPr lang="de-DE" smtClean="0"/>
+              <a:rPr lang="de-DE"/>
               <a:t>Titelmasterformat durch Klicken bearbeiten</a:t>
             </a:r>
             <a:endParaRPr lang="en-US"/>
@@ -985,7 +990,7 @@
           <a:p>
             <a:pPr lvl="0"/>
             <a:r>
-              <a:rPr lang="de-DE" smtClean="0"/>
+              <a:rPr lang="de-DE"/>
               <a:t>Formatvorlagen des Textmasters bearbeiten</a:t>
             </a:r>
           </a:p>
@@ -1008,7 +1013,7 @@
           <a:p>
             <a:fld id="{D070867A-C3DB-4861-B28A-9493709EB757}" type="datetimeFigureOut">
               <a:rPr lang="en-US" smtClean="0"/>
-              <a:t>13-Mar-19</a:t>
+              <a:t>3/17/19</a:t>
             </a:fld>
             <a:endParaRPr lang="en-US"/>
           </a:p>
@@ -1102,7 +1107,7 @@
           <a:lstStyle/>
           <a:p>
             <a:r>
-              <a:rPr lang="de-DE" smtClean="0"/>
+              <a:rPr lang="de-DE"/>
               <a:t>Titelmasterformat durch Klicken bearbeiten</a:t>
             </a:r>
             <a:endParaRPr lang="en-US"/>
@@ -1131,35 +1136,35 @@
           <a:p>
             <a:pPr lvl="0"/>
             <a:r>
-              <a:rPr lang="de-DE" smtClean="0"/>
+              <a:rPr lang="de-DE"/>
               <a:t>Formatvorlagen des Textmasters bearbeiten</a:t>
             </a:r>
           </a:p>
           <a:p>
             <a:pPr lvl="1"/>
             <a:r>
-              <a:rPr lang="de-DE" smtClean="0"/>
+              <a:rPr lang="de-DE"/>
               <a:t>Zweite Ebene</a:t>
             </a:r>
           </a:p>
           <a:p>
             <a:pPr lvl="2"/>
             <a:r>
-              <a:rPr lang="de-DE" smtClean="0"/>
+              <a:rPr lang="de-DE"/>
               <a:t>Dritte Ebene</a:t>
             </a:r>
           </a:p>
           <a:p>
             <a:pPr lvl="3"/>
             <a:r>
-              <a:rPr lang="de-DE" smtClean="0"/>
+              <a:rPr lang="de-DE"/>
               <a:t>Vierte Ebene</a:t>
             </a:r>
           </a:p>
           <a:p>
             <a:pPr lvl="4"/>
             <a:r>
-              <a:rPr lang="de-DE" smtClean="0"/>
+              <a:rPr lang="de-DE"/>
               <a:t>Fünfte Ebene</a:t>
             </a:r>
             <a:endParaRPr lang="en-US"/>
@@ -1188,35 +1193,35 @@
           <a:p>
             <a:pPr lvl="0"/>
             <a:r>
-              <a:rPr lang="de-DE" smtClean="0"/>
+              <a:rPr lang="de-DE"/>
               <a:t>Formatvorlagen des Textmasters bearbeiten</a:t>
             </a:r>
           </a:p>
           <a:p>
             <a:pPr lvl="1"/>
             <a:r>
-              <a:rPr lang="de-DE" smtClean="0"/>
+              <a:rPr lang="de-DE"/>
               <a:t>Zweite Ebene</a:t>
             </a:r>
           </a:p>
           <a:p>
             <a:pPr lvl="2"/>
             <a:r>
-              <a:rPr lang="de-DE" smtClean="0"/>
+              <a:rPr lang="de-DE"/>
               <a:t>Dritte Ebene</a:t>
             </a:r>
           </a:p>
           <a:p>
             <a:pPr lvl="3"/>
             <a:r>
-              <a:rPr lang="de-DE" smtClean="0"/>
+              <a:rPr lang="de-DE"/>
               <a:t>Vierte Ebene</a:t>
             </a:r>
           </a:p>
           <a:p>
             <a:pPr lvl="4"/>
             <a:r>
-              <a:rPr lang="de-DE" smtClean="0"/>
+              <a:rPr lang="de-DE"/>
               <a:t>Fünfte Ebene</a:t>
             </a:r>
             <a:endParaRPr lang="en-US"/>
@@ -1240,7 +1245,7 @@
           <a:p>
             <a:fld id="{D070867A-C3DB-4861-B28A-9493709EB757}" type="datetimeFigureOut">
               <a:rPr lang="en-US" smtClean="0"/>
-              <a:t>13-Mar-19</a:t>
+              <a:t>3/17/19</a:t>
             </a:fld>
             <a:endParaRPr lang="en-US"/>
           </a:p>
@@ -1339,7 +1344,7 @@
           <a:lstStyle/>
           <a:p>
             <a:r>
-              <a:rPr lang="de-DE" smtClean="0"/>
+              <a:rPr lang="de-DE"/>
               <a:t>Titelmasterformat durch Klicken bearbeiten</a:t>
             </a:r>
             <a:endParaRPr lang="en-US"/>
@@ -1405,7 +1410,7 @@
           <a:p>
             <a:pPr lvl="0"/>
             <a:r>
-              <a:rPr lang="de-DE" smtClean="0"/>
+              <a:rPr lang="de-DE"/>
               <a:t>Formatvorlagen des Textmasters bearbeiten</a:t>
             </a:r>
           </a:p>
@@ -1433,35 +1438,35 @@
           <a:p>
             <a:pPr lvl="0"/>
             <a:r>
-              <a:rPr lang="de-DE" smtClean="0"/>
+              <a:rPr lang="de-DE"/>
               <a:t>Formatvorlagen des Textmasters bearbeiten</a:t>
             </a:r>
           </a:p>
           <a:p>
             <a:pPr lvl="1"/>
             <a:r>
-              <a:rPr lang="de-DE" smtClean="0"/>
+              <a:rPr lang="de-DE"/>
               <a:t>Zweite Ebene</a:t>
             </a:r>
           </a:p>
           <a:p>
             <a:pPr lvl="2"/>
             <a:r>
-              <a:rPr lang="de-DE" smtClean="0"/>
+              <a:rPr lang="de-DE"/>
               <a:t>Dritte Ebene</a:t>
             </a:r>
           </a:p>
           <a:p>
             <a:pPr lvl="3"/>
             <a:r>
-              <a:rPr lang="de-DE" smtClean="0"/>
+              <a:rPr lang="de-DE"/>
               <a:t>Vierte Ebene</a:t>
             </a:r>
           </a:p>
           <a:p>
             <a:pPr lvl="4"/>
             <a:r>
-              <a:rPr lang="de-DE" smtClean="0"/>
+              <a:rPr lang="de-DE"/>
               <a:t>Fünfte Ebene</a:t>
             </a:r>
             <a:endParaRPr lang="en-US"/>
@@ -1527,7 +1532,7 @@
           <a:p>
             <a:pPr lvl="0"/>
             <a:r>
-              <a:rPr lang="de-DE" smtClean="0"/>
+              <a:rPr lang="de-DE"/>
               <a:t>Formatvorlagen des Textmasters bearbeiten</a:t>
             </a:r>
           </a:p>
@@ -1555,35 +1560,35 @@
           <a:p>
             <a:pPr lvl="0"/>
             <a:r>
-              <a:rPr lang="de-DE" smtClean="0"/>
+              <a:rPr lang="de-DE"/>
               <a:t>Formatvorlagen des Textmasters bearbeiten</a:t>
             </a:r>
           </a:p>
           <a:p>
             <a:pPr lvl="1"/>
             <a:r>
-              <a:rPr lang="de-DE" smtClean="0"/>
+              <a:rPr lang="de-DE"/>
               <a:t>Zweite Ebene</a:t>
             </a:r>
           </a:p>
           <a:p>
             <a:pPr lvl="2"/>
             <a:r>
-              <a:rPr lang="de-DE" smtClean="0"/>
+              <a:rPr lang="de-DE"/>
               <a:t>Dritte Ebene</a:t>
             </a:r>
           </a:p>
           <a:p>
             <a:pPr lvl="3"/>
             <a:r>
-              <a:rPr lang="de-DE" smtClean="0"/>
+              <a:rPr lang="de-DE"/>
               <a:t>Vierte Ebene</a:t>
             </a:r>
           </a:p>
           <a:p>
             <a:pPr lvl="4"/>
             <a:r>
-              <a:rPr lang="de-DE" smtClean="0"/>
+              <a:rPr lang="de-DE"/>
               <a:t>Fünfte Ebene</a:t>
             </a:r>
             <a:endParaRPr lang="en-US"/>
@@ -1607,7 +1612,7 @@
           <a:p>
             <a:fld id="{D070867A-C3DB-4861-B28A-9493709EB757}" type="datetimeFigureOut">
               <a:rPr lang="en-US" smtClean="0"/>
-              <a:t>13-Mar-19</a:t>
+              <a:t>3/17/19</a:t>
             </a:fld>
             <a:endParaRPr lang="en-US"/>
           </a:p>
@@ -1701,7 +1706,7 @@
           <a:lstStyle/>
           <a:p>
             <a:r>
-              <a:rPr lang="de-DE" smtClean="0"/>
+              <a:rPr lang="de-DE"/>
               <a:t>Titelmasterformat durch Klicken bearbeiten</a:t>
             </a:r>
             <a:endParaRPr lang="en-US"/>
@@ -1725,7 +1730,7 @@
           <a:p>
             <a:fld id="{D070867A-C3DB-4861-B28A-9493709EB757}" type="datetimeFigureOut">
               <a:rPr lang="en-US" smtClean="0"/>
-              <a:t>13-Mar-19</a:t>
+              <a:t>3/17/19</a:t>
             </a:fld>
             <a:endParaRPr lang="en-US"/>
           </a:p>
@@ -1820,7 +1825,7 @@
           <a:p>
             <a:fld id="{D070867A-C3DB-4861-B28A-9493709EB757}" type="datetimeFigureOut">
               <a:rPr lang="en-US" smtClean="0"/>
-              <a:t>13-Mar-19</a:t>
+              <a:t>3/17/19</a:t>
             </a:fld>
             <a:endParaRPr lang="en-US"/>
           </a:p>
@@ -1923,7 +1928,7 @@
           </a:lstStyle>
           <a:p>
             <a:r>
-              <a:rPr lang="de-DE" smtClean="0"/>
+              <a:rPr lang="de-DE"/>
               <a:t>Titelmasterformat durch Klicken bearbeiten</a:t>
             </a:r>
             <a:endParaRPr lang="en-US"/>
@@ -1980,35 +1985,35 @@
           <a:p>
             <a:pPr lvl="0"/>
             <a:r>
-              <a:rPr lang="de-DE" smtClean="0"/>
+              <a:rPr lang="de-DE"/>
               <a:t>Formatvorlagen des Textmasters bearbeiten</a:t>
             </a:r>
           </a:p>
           <a:p>
             <a:pPr lvl="1"/>
             <a:r>
-              <a:rPr lang="de-DE" smtClean="0"/>
+              <a:rPr lang="de-DE"/>
               <a:t>Zweite Ebene</a:t>
             </a:r>
           </a:p>
           <a:p>
             <a:pPr lvl="2"/>
             <a:r>
-              <a:rPr lang="de-DE" smtClean="0"/>
+              <a:rPr lang="de-DE"/>
               <a:t>Dritte Ebene</a:t>
             </a:r>
           </a:p>
           <a:p>
             <a:pPr lvl="3"/>
             <a:r>
-              <a:rPr lang="de-DE" smtClean="0"/>
+              <a:rPr lang="de-DE"/>
               <a:t>Vierte Ebene</a:t>
             </a:r>
           </a:p>
           <a:p>
             <a:pPr lvl="4"/>
             <a:r>
-              <a:rPr lang="de-DE" smtClean="0"/>
+              <a:rPr lang="de-DE"/>
               <a:t>Fünfte Ebene</a:t>
             </a:r>
             <a:endParaRPr lang="en-US"/>
@@ -2074,7 +2079,7 @@
           <a:p>
             <a:pPr lvl="0"/>
             <a:r>
-              <a:rPr lang="de-DE" smtClean="0"/>
+              <a:rPr lang="de-DE"/>
               <a:t>Formatvorlagen des Textmasters bearbeiten</a:t>
             </a:r>
           </a:p>
@@ -2097,7 +2102,7 @@
           <a:p>
             <a:fld id="{D070867A-C3DB-4861-B28A-9493709EB757}" type="datetimeFigureOut">
               <a:rPr lang="en-US" smtClean="0"/>
-              <a:t>13-Mar-19</a:t>
+              <a:t>3/17/19</a:t>
             </a:fld>
             <a:endParaRPr lang="en-US"/>
           </a:p>
@@ -2200,7 +2205,7 @@
           </a:lstStyle>
           <a:p>
             <a:r>
-              <a:rPr lang="de-DE" smtClean="0"/>
+              <a:rPr lang="de-DE"/>
               <a:t>Titelmasterformat durch Klicken bearbeiten</a:t>
             </a:r>
             <a:endParaRPr lang="en-US"/>
@@ -2327,7 +2332,7 @@
           <a:p>
             <a:pPr lvl="0"/>
             <a:r>
-              <a:rPr lang="de-DE" smtClean="0"/>
+              <a:rPr lang="de-DE"/>
               <a:t>Formatvorlagen des Textmasters bearbeiten</a:t>
             </a:r>
           </a:p>
@@ -2350,7 +2355,7 @@
           <a:p>
             <a:fld id="{D070867A-C3DB-4861-B28A-9493709EB757}" type="datetimeFigureOut">
               <a:rPr lang="en-US" smtClean="0"/>
-              <a:t>13-Mar-19</a:t>
+              <a:t>3/17/19</a:t>
             </a:fld>
             <a:endParaRPr lang="en-US"/>
           </a:p>
@@ -2459,7 +2464,7 @@
           <a:lstStyle/>
           <a:p>
             <a:r>
-              <a:rPr lang="de-DE" smtClean="0"/>
+              <a:rPr lang="de-DE"/>
               <a:t>Titelmasterformat durch Klicken bearbeiten</a:t>
             </a:r>
             <a:endParaRPr lang="en-US"/>
@@ -2493,35 +2498,35 @@
           <a:p>
             <a:pPr lvl="0"/>
             <a:r>
-              <a:rPr lang="de-DE" smtClean="0"/>
+              <a:rPr lang="de-DE"/>
               <a:t>Formatvorlagen des Textmasters bearbeiten</a:t>
             </a:r>
           </a:p>
           <a:p>
             <a:pPr lvl="1"/>
             <a:r>
-              <a:rPr lang="de-DE" smtClean="0"/>
+              <a:rPr lang="de-DE"/>
               <a:t>Zweite Ebene</a:t>
             </a:r>
           </a:p>
           <a:p>
             <a:pPr lvl="2"/>
             <a:r>
-              <a:rPr lang="de-DE" smtClean="0"/>
+              <a:rPr lang="de-DE"/>
               <a:t>Dritte Ebene</a:t>
             </a:r>
           </a:p>
           <a:p>
             <a:pPr lvl="3"/>
             <a:r>
-              <a:rPr lang="de-DE" smtClean="0"/>
+              <a:rPr lang="de-DE"/>
               <a:t>Vierte Ebene</a:t>
             </a:r>
           </a:p>
           <a:p>
             <a:pPr lvl="4"/>
             <a:r>
-              <a:rPr lang="de-DE" smtClean="0"/>
+              <a:rPr lang="de-DE"/>
               <a:t>Fünfte Ebene</a:t>
             </a:r>
             <a:endParaRPr lang="en-US"/>
@@ -2563,7 +2568,7 @@
           <a:p>
             <a:fld id="{D070867A-C3DB-4861-B28A-9493709EB757}" type="datetimeFigureOut">
               <a:rPr lang="en-US" smtClean="0"/>
-              <a:t>13-Mar-19</a:t>
+              <a:t>3/17/19</a:t>
             </a:fld>
             <a:endParaRPr lang="en-US"/>
           </a:p>
@@ -3016,13 +3021,6 @@
   <p:clrMapOvr>
     <a:masterClrMapping/>
   </p:clrMapOvr>
-  <p:timing>
-    <p:tnLst>
-      <p:par>
-        <p:cTn id="1" dur="indefinite" restart="never" nodeType="tmRoot"/>
-      </p:par>
-    </p:tnLst>
-  </p:timing>
 </p:sld>
 </file>
 
@@ -3060,19 +3058,7 @@
           <a:p>
             <a:r>
               <a:rPr lang="de-CH" dirty="0"/>
-              <a:t>D</a:t>
-            </a:r>
-            <a:r>
-              <a:rPr lang="de-CH" dirty="0" smtClean="0"/>
-              <a:t>evelopment </a:t>
-            </a:r>
-            <a:r>
-              <a:rPr lang="de-CH" dirty="0"/>
-              <a:t>E</a:t>
-            </a:r>
-            <a:r>
-              <a:rPr lang="de-CH" dirty="0" smtClean="0"/>
-              <a:t>nvironment</a:t>
+              <a:t>Development Environment</a:t>
             </a:r>
             <a:endParaRPr lang="en-US" dirty="0"/>
           </a:p>
@@ -3102,7 +3088,7 @@
           <a:p>
             <a:pPr algn="ctr"/>
             <a:r>
-              <a:rPr lang="de-CH" dirty="0" smtClean="0"/>
+              <a:rPr lang="de-CH" dirty="0"/>
               <a:t>Arduino</a:t>
             </a:r>
             <a:endParaRPr lang="en-US" dirty="0"/>
@@ -3152,11 +3138,11 @@
           <a:p>
             <a:pPr algn="ctr"/>
             <a:r>
-              <a:rPr lang="de-CH" dirty="0" err="1" smtClean="0"/>
+              <a:rPr lang="de-CH" dirty="0" err="1"/>
               <a:t>Nextion</a:t>
             </a:r>
             <a:r>
-              <a:rPr lang="de-CH" dirty="0" smtClean="0"/>
+              <a:rPr lang="de-CH" dirty="0"/>
               <a:t> Editor</a:t>
             </a:r>
             <a:endParaRPr lang="en-US" dirty="0"/>
@@ -3179,50 +3165,50 @@
           <a:lstStyle/>
           <a:p>
             <a:r>
-              <a:rPr lang="de-CH" dirty="0" smtClean="0"/>
-              <a:t>Variabel Definition</a:t>
-            </a:r>
-          </a:p>
-          <a:p>
-            <a:r>
-              <a:rPr lang="de-CH" dirty="0" smtClean="0"/>
+              <a:rPr lang="de-CH" dirty="0"/>
+              <a:t>Variables Definition</a:t>
+            </a:r>
+          </a:p>
+          <a:p>
+            <a:r>
+              <a:rPr lang="de-CH" dirty="0"/>
               <a:t>Keywords</a:t>
             </a:r>
           </a:p>
           <a:p>
             <a:r>
-              <a:rPr lang="de-CH" dirty="0" err="1" smtClean="0"/>
+              <a:rPr lang="de-CH" dirty="0" err="1"/>
               <a:t>Void</a:t>
             </a:r>
             <a:r>
-              <a:rPr lang="de-CH" dirty="0" smtClean="0"/>
+              <a:rPr lang="de-CH" dirty="0"/>
               <a:t> </a:t>
             </a:r>
             <a:r>
-              <a:rPr lang="de-CH" dirty="0" err="1" smtClean="0"/>
+              <a:rPr lang="de-CH" dirty="0" err="1"/>
               <a:t>setup</a:t>
             </a:r>
-            <a:endParaRPr lang="de-CH" dirty="0" smtClean="0"/>
-          </a:p>
-          <a:p>
-            <a:r>
-              <a:rPr lang="de-CH" dirty="0" err="1" smtClean="0"/>
+            <a:endParaRPr lang="de-CH" dirty="0"/>
+          </a:p>
+          <a:p>
+            <a:r>
+              <a:rPr lang="de-CH" dirty="0" err="1"/>
               <a:t>Void</a:t>
             </a:r>
             <a:r>
-              <a:rPr lang="de-CH" dirty="0" smtClean="0"/>
+              <a:rPr lang="de-CH" dirty="0"/>
               <a:t> loop</a:t>
             </a:r>
           </a:p>
           <a:p>
             <a:r>
-              <a:rPr lang="de-CH" dirty="0" smtClean="0"/>
+              <a:rPr lang="de-CH" dirty="0"/>
               <a:t>Statements</a:t>
             </a:r>
           </a:p>
           <a:p>
             <a:r>
-              <a:rPr lang="de-CH" smtClean="0"/>
+              <a:rPr lang="de-CH" dirty="0"/>
               <a:t>{}</a:t>
             </a:r>
             <a:endParaRPr lang="en-US" dirty="0"/>
@@ -3239,13 +3225,6 @@
   <p:clrMapOvr>
     <a:masterClrMapping/>
   </p:clrMapOvr>
-  <p:timing>
-    <p:tnLst>
-      <p:par>
-        <p:cTn id="1" dur="indefinite" restart="never" nodeType="tmRoot"/>
-      </p:par>
-    </p:tnLst>
-  </p:timing>
 </p:sld>
 </file>
 
@@ -3283,19 +3262,7 @@
           <a:p>
             <a:r>
               <a:rPr lang="de-CH" dirty="0"/>
-              <a:t>D</a:t>
-            </a:r>
-            <a:r>
-              <a:rPr lang="de-CH" dirty="0" smtClean="0"/>
-              <a:t>evelopment </a:t>
-            </a:r>
-            <a:r>
-              <a:rPr lang="de-CH" dirty="0"/>
-              <a:t>E</a:t>
-            </a:r>
-            <a:r>
-              <a:rPr lang="de-CH" dirty="0" smtClean="0"/>
-              <a:t>nvironment</a:t>
+              <a:t>Development Environment</a:t>
             </a:r>
             <a:endParaRPr lang="en-US" dirty="0"/>
           </a:p>
@@ -3323,11 +3290,11 @@
           <a:p>
             <a:pPr algn="ctr"/>
             <a:r>
-              <a:rPr lang="de-CH" dirty="0" err="1" smtClean="0"/>
+              <a:rPr lang="de-CH" dirty="0" err="1"/>
               <a:t>Nextion</a:t>
             </a:r>
             <a:r>
-              <a:rPr lang="de-CH" dirty="0" smtClean="0"/>
+              <a:rPr lang="de-CH" dirty="0"/>
               <a:t> Editor</a:t>
             </a:r>
             <a:endParaRPr lang="en-US" dirty="0"/>
@@ -3370,13 +3337,6 @@
   <p:clrMapOvr>
     <a:masterClrMapping/>
   </p:clrMapOvr>
-  <p:timing>
-    <p:tnLst>
-      <p:par>
-        <p:cTn id="1" dur="indefinite" restart="never" nodeType="tmRoot"/>
-      </p:par>
-    </p:tnLst>
-  </p:timing>
 </p:sld>
 </file>
 
@@ -3413,7 +3373,7 @@
           <a:lstStyle/>
           <a:p>
             <a:r>
-              <a:rPr lang="de-CH" dirty="0" smtClean="0"/>
+              <a:rPr lang="de-CH" dirty="0"/>
               <a:t>Operating Mode</a:t>
             </a:r>
             <a:endParaRPr lang="en-US" dirty="0"/>
@@ -3436,25 +3396,25 @@
           <a:lstStyle/>
           <a:p>
             <a:r>
-              <a:rPr lang="de-CH" dirty="0" smtClean="0"/>
+              <a:rPr lang="de-CH" dirty="0"/>
               <a:t>Off</a:t>
             </a:r>
           </a:p>
           <a:p>
             <a:r>
-              <a:rPr lang="de-CH" dirty="0" smtClean="0"/>
+              <a:rPr lang="de-CH" dirty="0"/>
               <a:t>Auto</a:t>
             </a:r>
           </a:p>
           <a:p>
             <a:r>
-              <a:rPr lang="de-CH" dirty="0" smtClean="0"/>
+              <a:rPr lang="de-CH" dirty="0"/>
               <a:t>Hand</a:t>
             </a:r>
           </a:p>
           <a:p>
             <a:r>
-              <a:rPr lang="de-CH" dirty="0" err="1" smtClean="0"/>
+              <a:rPr lang="de-CH" dirty="0" err="1"/>
               <a:t>Insp</a:t>
             </a:r>
             <a:endParaRPr lang="en-US" dirty="0"/>
@@ -3490,13 +3450,6 @@
   <p:clrMapOvr>
     <a:masterClrMapping/>
   </p:clrMapOvr>
-  <p:timing>
-    <p:tnLst>
-      <p:par>
-        <p:cTn id="1" dur="indefinite" restart="never" nodeType="tmRoot"/>
-      </p:par>
-    </p:tnLst>
-  </p:timing>
 </p:sld>
 </file>
 
@@ -3570,8 +3523,12 @@
           <a:lstStyle/>
           <a:p>
             <a:r>
-              <a:rPr lang="de-CH" dirty="0" smtClean="0"/>
-              <a:t>State Maschine</a:t>
+              <a:rPr lang="de-CH" dirty="0"/>
+              <a:t>State </a:t>
+            </a:r>
+            <a:r>
+              <a:rPr lang="de-CH" dirty="0" err="1"/>
+              <a:t>Machine</a:t>
             </a:r>
             <a:endParaRPr lang="en-US" dirty="0"/>
           </a:p>
